--- a/Project 3 Presentation.pptx
+++ b/Project 3 Presentation.pptx
@@ -165,68 +165,9 @@
 <p1510:revInfo xmlns:a="http://schemas.openxmlformats.org/drawingml/2006/main" xmlns:r="http://schemas.openxmlformats.org/officeDocument/2006/relationships" xmlns:p1510="http://schemas.microsoft.com/office/powerpoint/2015/10/main">
   <p1510:revLst>
     <p1510:client id="{84FABC45-4695-4BE8-873B-6692B9A9150C}" v="2" dt="2024-10-15T04:44:10.322"/>
+    <p1510:client id="{DB2806FC-3737-4B44-BA66-E01A5296CF05}" v="1" dt="2024-10-16T02:01:10.473"/>
   </p1510:revLst>
 </p1510:revInfo>
-</file>
-
-<file path=ppt/changesInfos/changesInfo1.xml><?xml version="1.0" encoding="utf-8"?>
-<pc:chgInfo xmlns:a="http://schemas.openxmlformats.org/drawingml/2006/main" xmlns:r="http://schemas.openxmlformats.org/officeDocument/2006/relationships" xmlns:ac="http://schemas.microsoft.com/office/drawing/2013/main/command" xmlns:pc="http://schemas.microsoft.com/office/powerpoint/2013/main/command">
-  <pc:docChgLst>
-    <pc:chgData name="Molly Fox" userId="d0c73aa7127c4df8" providerId="LiveId" clId="{84FABC45-4695-4BE8-873B-6692B9A9150C}"/>
-    <pc:docChg chg="undo custSel addSld modSld">
-      <pc:chgData name="Molly Fox" userId="d0c73aa7127c4df8" providerId="LiveId" clId="{84FABC45-4695-4BE8-873B-6692B9A9150C}" dt="2024-10-15T04:44:25.989" v="458" actId="20577"/>
-      <pc:docMkLst>
-        <pc:docMk/>
-      </pc:docMkLst>
-      <pc:sldChg chg="modSp mod">
-        <pc:chgData name="Molly Fox" userId="d0c73aa7127c4df8" providerId="LiveId" clId="{84FABC45-4695-4BE8-873B-6692B9A9150C}" dt="2024-10-15T04:44:25.989" v="458" actId="20577"/>
-        <pc:sldMkLst>
-          <pc:docMk/>
-          <pc:sldMk cId="706297082" sldId="293"/>
-        </pc:sldMkLst>
-        <pc:spChg chg="mod">
-          <ac:chgData name="Molly Fox" userId="d0c73aa7127c4df8" providerId="LiveId" clId="{84FABC45-4695-4BE8-873B-6692B9A9150C}" dt="2024-10-15T04:44:25.989" v="458" actId="20577"/>
-          <ac:spMkLst>
-            <pc:docMk/>
-            <pc:sldMk cId="706297082" sldId="293"/>
-            <ac:spMk id="3" creationId="{A5F31C0D-910E-F2AA-6C11-DFB3FD59B02E}"/>
-          </ac:spMkLst>
-        </pc:spChg>
-        <pc:spChg chg="mod">
-          <ac:chgData name="Molly Fox" userId="d0c73aa7127c4df8" providerId="LiveId" clId="{84FABC45-4695-4BE8-873B-6692B9A9150C}" dt="2024-10-15T04:44:12.060" v="457" actId="207"/>
-          <ac:spMkLst>
-            <pc:docMk/>
-            <pc:sldMk cId="706297082" sldId="293"/>
-            <ac:spMk id="5" creationId="{0B81DB9A-58FC-40DE-EE37-6F9A7C59D19C}"/>
-          </ac:spMkLst>
-        </pc:spChg>
-      </pc:sldChg>
-      <pc:sldChg chg="modSp add mod">
-        <pc:chgData name="Molly Fox" userId="d0c73aa7127c4df8" providerId="LiveId" clId="{84FABC45-4695-4BE8-873B-6692B9A9150C}" dt="2024-10-15T04:43:26.083" v="456" actId="20577"/>
-        <pc:sldMkLst>
-          <pc:docMk/>
-          <pc:sldMk cId="646184104" sldId="295"/>
-        </pc:sldMkLst>
-        <pc:spChg chg="mod">
-          <ac:chgData name="Molly Fox" userId="d0c73aa7127c4df8" providerId="LiveId" clId="{84FABC45-4695-4BE8-873B-6692B9A9150C}" dt="2024-10-15T04:43:26.083" v="456" actId="20577"/>
-          <ac:spMkLst>
-            <pc:docMk/>
-            <pc:sldMk cId="646184104" sldId="295"/>
-            <ac:spMk id="3" creationId="{470DBC21-91AE-5F3D-1186-D11C8F117506}"/>
-          </ac:spMkLst>
-        </pc:spChg>
-        <pc:spChg chg="mod">
-          <ac:chgData name="Molly Fox" userId="d0c73aa7127c4df8" providerId="LiveId" clId="{84FABC45-4695-4BE8-873B-6692B9A9150C}" dt="2024-10-15T04:40:31.222" v="264" actId="20577"/>
-          <ac:spMkLst>
-            <pc:docMk/>
-            <pc:sldMk cId="646184104" sldId="295"/>
-            <ac:spMk id="5" creationId="{90D7DA9A-9C09-0206-BCEF-47963D865FE1}"/>
-          </ac:spMkLst>
-        </pc:spChg>
-      </pc:sldChg>
-    </pc:docChg>
-  </pc:docChgLst>
-</pc:chgInfo>
 </file>
 
 <file path=ppt/handoutMasters/handoutMaster1.xml><?xml version="1.0" encoding="utf-8"?>
@@ -323,7 +264,7 @@
           <a:p>
             <a:fld id="{6E5C0719-993D-42E1-80ED-8F01056F36C2}" type="datetimeFigureOut">
               <a:rPr lang="en-US" smtClean="0"/>
-              <a:t>10/14/2024</a:t>
+              <a:t>10/15/2024</a:t>
             </a:fld>
             <a:endParaRPr lang="en-US" dirty="0"/>
           </a:p>
@@ -500,7 +441,7 @@
           <a:p>
             <a:fld id="{21D3BC9C-6C58-464F-B94E-FD73C5FB016E}" type="datetimeFigureOut">
               <a:rPr lang="en-US" smtClean="0"/>
-              <a:t>10/14/2024</a:t>
+              <a:t>10/15/2024</a:t>
             </a:fld>
             <a:endParaRPr lang="en-US" dirty="0"/>
           </a:p>
@@ -1082,7 +1023,7 @@
           <a:p>
             <a:fld id="{40DA1498-92C7-4E4B-8045-C9195F453964}" type="datetimeFigureOut">
               <a:rPr lang="en-US" smtClean="0"/>
-              <a:t>10/14/2024</a:t>
+              <a:t>10/15/2024</a:t>
             </a:fld>
             <a:endParaRPr lang="en-US" dirty="0"/>
           </a:p>
@@ -1280,7 +1221,7 @@
           <a:p>
             <a:fld id="{40DA1498-92C7-4E4B-8045-C9195F453964}" type="datetimeFigureOut">
               <a:rPr lang="en-US" smtClean="0"/>
-              <a:t>10/14/2024</a:t>
+              <a:t>10/15/2024</a:t>
             </a:fld>
             <a:endParaRPr lang="en-US" dirty="0"/>
           </a:p>
@@ -1488,7 +1429,7 @@
           <a:p>
             <a:fld id="{40DA1498-92C7-4E4B-8045-C9195F453964}" type="datetimeFigureOut">
               <a:rPr lang="en-US" smtClean="0"/>
-              <a:t>10/14/2024</a:t>
+              <a:t>10/15/2024</a:t>
             </a:fld>
             <a:endParaRPr lang="en-US" dirty="0"/>
           </a:p>
@@ -1686,7 +1627,7 @@
           <a:p>
             <a:fld id="{40DA1498-92C7-4E4B-8045-C9195F453964}" type="datetimeFigureOut">
               <a:rPr lang="en-US" smtClean="0"/>
-              <a:t>10/14/2024</a:t>
+              <a:t>10/15/2024</a:t>
             </a:fld>
             <a:endParaRPr lang="en-US" dirty="0"/>
           </a:p>
@@ -1961,7 +1902,7 @@
           <a:p>
             <a:fld id="{40DA1498-92C7-4E4B-8045-C9195F453964}" type="datetimeFigureOut">
               <a:rPr lang="en-US" smtClean="0"/>
-              <a:t>10/14/2024</a:t>
+              <a:t>10/15/2024</a:t>
             </a:fld>
             <a:endParaRPr lang="en-US" dirty="0"/>
           </a:p>
@@ -2226,7 +2167,7 @@
           <a:p>
             <a:fld id="{40DA1498-92C7-4E4B-8045-C9195F453964}" type="datetimeFigureOut">
               <a:rPr lang="en-US" smtClean="0"/>
-              <a:t>10/14/2024</a:t>
+              <a:t>10/15/2024</a:t>
             </a:fld>
             <a:endParaRPr lang="en-US" dirty="0"/>
           </a:p>
@@ -2638,7 +2579,7 @@
           <a:p>
             <a:fld id="{40DA1498-92C7-4E4B-8045-C9195F453964}" type="datetimeFigureOut">
               <a:rPr lang="en-US" smtClean="0"/>
-              <a:t>10/14/2024</a:t>
+              <a:t>10/15/2024</a:t>
             </a:fld>
             <a:endParaRPr lang="en-US" dirty="0"/>
           </a:p>
@@ -2779,7 +2720,7 @@
           <a:p>
             <a:fld id="{40DA1498-92C7-4E4B-8045-C9195F453964}" type="datetimeFigureOut">
               <a:rPr lang="en-US" smtClean="0"/>
-              <a:t>10/14/2024</a:t>
+              <a:t>10/15/2024</a:t>
             </a:fld>
             <a:endParaRPr lang="en-US" dirty="0"/>
           </a:p>
@@ -2892,7 +2833,7 @@
           <a:p>
             <a:fld id="{40DA1498-92C7-4E4B-8045-C9195F453964}" type="datetimeFigureOut">
               <a:rPr lang="en-US" smtClean="0"/>
-              <a:t>10/14/2024</a:t>
+              <a:t>10/15/2024</a:t>
             </a:fld>
             <a:endParaRPr lang="en-US" dirty="0"/>
           </a:p>
@@ -3203,7 +3144,7 @@
           <a:p>
             <a:fld id="{40DA1498-92C7-4E4B-8045-C9195F453964}" type="datetimeFigureOut">
               <a:rPr lang="en-US" smtClean="0"/>
-              <a:t>10/14/2024</a:t>
+              <a:t>10/15/2024</a:t>
             </a:fld>
             <a:endParaRPr lang="en-US" dirty="0"/>
           </a:p>
@@ -3495,7 +3436,7 @@
           <a:p>
             <a:fld id="{40DA1498-92C7-4E4B-8045-C9195F453964}" type="datetimeFigureOut">
               <a:rPr lang="en-US" smtClean="0"/>
-              <a:t>10/14/2024</a:t>
+              <a:t>10/15/2024</a:t>
             </a:fld>
             <a:endParaRPr lang="en-US" dirty="0"/>
           </a:p>
@@ -3736,7 +3677,7 @@
           <a:p>
             <a:fld id="{40DA1498-92C7-4E4B-8045-C9195F453964}" type="datetimeFigureOut">
               <a:rPr lang="en-US" smtClean="0"/>
-              <a:t>10/14/2024</a:t>
+              <a:t>10/15/2024</a:t>
             </a:fld>
             <a:endParaRPr lang="en-US" dirty="0"/>
           </a:p>
@@ -9018,25 +8959,29 @@
         </p:nvSpPr>
         <p:spPr>
           <a:xfrm>
-            <a:off x="838200" y="1152939"/>
-            <a:ext cx="10515600" cy="5024024"/>
+            <a:off x="6388983" y="1335819"/>
+            <a:ext cx="5257800" cy="868901"/>
           </a:xfrm>
         </p:spPr>
         <p:txBody>
           <a:bodyPr>
-            <a:normAutofit/>
+            <a:normAutofit fontScale="92500"/>
           </a:bodyPr>
           <a:lstStyle/>
           <a:p>
+            <a:pPr marL="0" indent="0" algn="r">
+              <a:buNone/>
+            </a:pPr>
+            <a:r>
+              <a:rPr lang="en-US" sz="2800" dirty="0">
+                <a:hlinkClick r:id="rId2"/>
+              </a:rPr>
+              <a:t> https://jcbritton.github.io/Project3/</a:t>
+            </a:r>
             <a:r>
               <a:rPr lang="en-US" sz="2800" dirty="0"/>
-              <a:t>TBD - Instructions on how to use and interact with </a:t>
-            </a:r>
-            <a:r>
-              <a:rPr lang="en-US" sz="2800"/>
-              <a:t>the project</a:t>
-            </a:r>
-            <a:endParaRPr lang="en-US" sz="2800" dirty="0"/>
+              <a:t> </a:t>
+            </a:r>
           </a:p>
         </p:txBody>
       </p:sp>
@@ -9202,6 +9147,66 @@
           </a:fontRef>
         </p:style>
       </p:cxnSp>
+      <p:pic>
+        <p:nvPicPr>
+          <p:cNvPr id="4" name="Picture 3">
+            <a:extLst>
+              <a:ext uri="{FF2B5EF4-FFF2-40B4-BE49-F238E27FC236}">
+                <a16:creationId xmlns:a16="http://schemas.microsoft.com/office/drawing/2014/main" id="{6D6F8CE0-7155-4644-6D3D-CAB9E07D13B9}"/>
+              </a:ext>
+            </a:extLst>
+          </p:cNvPr>
+          <p:cNvPicPr>
+            <a:picLocks noChangeAspect="1"/>
+          </p:cNvPicPr>
+          <p:nvPr/>
+        </p:nvPicPr>
+        <p:blipFill>
+          <a:blip r:embed="rId3"/>
+          <a:stretch>
+            <a:fillRect/>
+          </a:stretch>
+        </p:blipFill>
+        <p:spPr>
+          <a:xfrm>
+            <a:off x="0" y="835124"/>
+            <a:ext cx="6014720" cy="5860316"/>
+          </a:xfrm>
+          <a:prstGeom prst="rect">
+            <a:avLst/>
+          </a:prstGeom>
+        </p:spPr>
+      </p:pic>
+      <p:pic>
+        <p:nvPicPr>
+          <p:cNvPr id="11" name="Picture 10">
+            <a:extLst>
+              <a:ext uri="{FF2B5EF4-FFF2-40B4-BE49-F238E27FC236}">
+                <a16:creationId xmlns:a16="http://schemas.microsoft.com/office/drawing/2014/main" id="{21159B07-FC80-83F2-55A5-ED1BA7CCED43}"/>
+              </a:ext>
+            </a:extLst>
+          </p:cNvPr>
+          <p:cNvPicPr>
+            <a:picLocks noChangeAspect="1"/>
+          </p:cNvPicPr>
+          <p:nvPr/>
+        </p:nvPicPr>
+        <p:blipFill>
+          <a:blip r:embed="rId4"/>
+          <a:stretch>
+            <a:fillRect/>
+          </a:stretch>
+        </p:blipFill>
+        <p:spPr>
+          <a:xfrm>
+            <a:off x="6177282" y="2037080"/>
+            <a:ext cx="5681202" cy="3276600"/>
+          </a:xfrm>
+          <a:prstGeom prst="rect">
+            <a:avLst/>
+          </a:prstGeom>
+        </p:spPr>
+      </p:pic>
     </p:spTree>
     <p:extLst>
       <p:ext uri="{BB962C8B-B14F-4D97-AF65-F5344CB8AC3E}">
@@ -9262,13 +9267,214 @@
         </p:spPr>
         <p:txBody>
           <a:bodyPr>
-            <a:normAutofit/>
+            <a:normAutofit fontScale="92500"/>
           </a:bodyPr>
           <a:lstStyle/>
           <a:p>
-            <a:r>
-              <a:rPr lang="en-US" sz="2800" dirty="0"/>
-              <a:t>TBD - At least one paragraph summarizing efforts for ethical considerations made in the project</a:t>
+            <a:pPr marL="0" indent="0">
+              <a:lnSpc>
+                <a:spcPct val="120000"/>
+              </a:lnSpc>
+              <a:spcBef>
+                <a:spcPts val="0"/>
+              </a:spcBef>
+              <a:spcAft>
+                <a:spcPts val="600"/>
+              </a:spcAft>
+              <a:buNone/>
+            </a:pPr>
+            <a:r>
+              <a:rPr lang="en-US" sz="1800" b="1" dirty="0"/>
+              <a:t>Sourcing and Bias</a:t>
+            </a:r>
+          </a:p>
+          <a:p>
+            <a:pPr>
+              <a:lnSpc>
+                <a:spcPct val="120000"/>
+              </a:lnSpc>
+              <a:spcBef>
+                <a:spcPts val="0"/>
+              </a:spcBef>
+              <a:spcAft>
+                <a:spcPts val="600"/>
+              </a:spcAft>
+            </a:pPr>
+            <a:r>
+              <a:rPr lang="en-US" sz="1800" dirty="0"/>
+              <a:t>Where is ACLED’s data coming from, and is it accurate?</a:t>
+            </a:r>
+          </a:p>
+          <a:p>
+            <a:pPr>
+              <a:lnSpc>
+                <a:spcPct val="120000"/>
+              </a:lnSpc>
+              <a:spcBef>
+                <a:spcPts val="0"/>
+              </a:spcBef>
+              <a:spcAft>
+                <a:spcPts val="600"/>
+              </a:spcAft>
+            </a:pPr>
+            <a:r>
+              <a:rPr lang="en-US" sz="1800" dirty="0"/>
+              <a:t>Data sources: traditional media, international organizations, NGOs, local partners, social media (Twitter, Telegram, WhatsApp).</a:t>
+            </a:r>
+          </a:p>
+          <a:p>
+            <a:pPr>
+              <a:lnSpc>
+                <a:spcPct val="120000"/>
+              </a:lnSpc>
+              <a:spcBef>
+                <a:spcPts val="0"/>
+              </a:spcBef>
+              <a:spcAft>
+                <a:spcPts val="600"/>
+              </a:spcAft>
+            </a:pPr>
+            <a:r>
+              <a:rPr lang="en-US" sz="1800" dirty="0"/>
+              <a:t>Potential challenges: underreporting in certain areas, mischaracterization of events, political bias in reporting.</a:t>
+            </a:r>
+          </a:p>
+          <a:p>
+            <a:pPr marL="0" indent="0">
+              <a:lnSpc>
+                <a:spcPct val="120000"/>
+              </a:lnSpc>
+              <a:spcBef>
+                <a:spcPts val="0"/>
+              </a:spcBef>
+              <a:spcAft>
+                <a:spcPts val="600"/>
+              </a:spcAft>
+              <a:buNone/>
+            </a:pPr>
+            <a:r>
+              <a:rPr lang="en-US" sz="1800" b="1" dirty="0"/>
+              <a:t>Review Process</a:t>
+            </a:r>
+          </a:p>
+          <a:p>
+            <a:pPr>
+              <a:lnSpc>
+                <a:spcPct val="120000"/>
+              </a:lnSpc>
+              <a:spcBef>
+                <a:spcPts val="0"/>
+              </a:spcBef>
+              <a:spcAft>
+                <a:spcPts val="600"/>
+              </a:spcAft>
+            </a:pPr>
+            <a:r>
+              <a:rPr lang="en-US" sz="1800" dirty="0"/>
+              <a:t>ACLED claims the data is accurate, comprehensive, and regularly updated.</a:t>
+            </a:r>
+          </a:p>
+          <a:p>
+            <a:pPr>
+              <a:lnSpc>
+                <a:spcPct val="120000"/>
+              </a:lnSpc>
+              <a:spcBef>
+                <a:spcPts val="0"/>
+              </a:spcBef>
+              <a:spcAft>
+                <a:spcPts val="600"/>
+              </a:spcAft>
+            </a:pPr>
+            <a:r>
+              <a:rPr lang="en-US" sz="1800" dirty="0"/>
+              <a:t>Data collection and review are human processes, prone to explicit or implicit bias.</a:t>
+            </a:r>
+          </a:p>
+          <a:p>
+            <a:pPr>
+              <a:lnSpc>
+                <a:spcPct val="120000"/>
+              </a:lnSpc>
+              <a:spcBef>
+                <a:spcPts val="0"/>
+              </a:spcBef>
+              <a:spcAft>
+                <a:spcPts val="600"/>
+              </a:spcAft>
+            </a:pPr>
+            <a:r>
+              <a:rPr lang="en-US" sz="1800" dirty="0"/>
+              <a:t>Are judgments about categorization and inclusion made objectively?</a:t>
+            </a:r>
+          </a:p>
+          <a:p>
+            <a:pPr marL="0" indent="0">
+              <a:lnSpc>
+                <a:spcPct val="120000"/>
+              </a:lnSpc>
+              <a:spcBef>
+                <a:spcPts val="0"/>
+              </a:spcBef>
+              <a:spcAft>
+                <a:spcPts val="600"/>
+              </a:spcAft>
+              <a:buNone/>
+            </a:pPr>
+            <a:r>
+              <a:rPr lang="en-US" sz="1800" b="1" dirty="0"/>
+              <a:t>Privacy and Data Use</a:t>
+            </a:r>
+          </a:p>
+          <a:p>
+            <a:pPr>
+              <a:lnSpc>
+                <a:spcPct val="120000"/>
+              </a:lnSpc>
+              <a:spcBef>
+                <a:spcPts val="0"/>
+              </a:spcBef>
+              <a:spcAft>
+                <a:spcPts val="600"/>
+              </a:spcAft>
+            </a:pPr>
+            <a:r>
+              <a:rPr lang="en-US" sz="1800" dirty="0"/>
+              <a:t>Are individuals in reported events, especially in sensitive contexts, at risk?</a:t>
+            </a:r>
+          </a:p>
+          <a:p>
+            <a:pPr>
+              <a:lnSpc>
+                <a:spcPct val="120000"/>
+              </a:lnSpc>
+              <a:spcBef>
+                <a:spcPts val="0"/>
+              </a:spcBef>
+              <a:spcAft>
+                <a:spcPts val="600"/>
+              </a:spcAft>
+            </a:pPr>
+            <a:r>
+              <a:rPr lang="en-US" sz="1800" dirty="0"/>
+              <a:t>Is informed consent being obtained where necessary?</a:t>
+            </a:r>
+          </a:p>
+          <a:p>
+            <a:pPr>
+              <a:lnSpc>
+                <a:spcPct val="120000"/>
+              </a:lnSpc>
+              <a:spcBef>
+                <a:spcPts val="0"/>
+              </a:spcBef>
+              <a:spcAft>
+                <a:spcPts val="600"/>
+              </a:spcAft>
+            </a:pPr>
+            <a:r>
+              <a:rPr lang="en-US" sz="1800" dirty="0"/>
+              <a:t>Could the data be misused to support harmful policies or action?</a:t>
             </a:r>
           </a:p>
         </p:txBody>
@@ -10523,15 +10729,6 @@
 </file>
 
 <file path=customXml/item1.xml><?xml version="1.0" encoding="utf-8"?>
-<?mso-contentType ?>
-<FormTemplates xmlns="http://schemas.microsoft.com/sharepoint/v3/contenttype/forms">
-  <Display>DocumentLibraryForm</Display>
-  <Edit>DocumentLibraryForm</Edit>
-  <New>DocumentLibraryForm</New>
-</FormTemplates>
-</file>
-
-<file path=customXml/item2.xml><?xml version="1.0" encoding="utf-8"?>
 <ct:contentTypeSchema xmlns:ct="http://schemas.microsoft.com/office/2006/metadata/contentType" xmlns:ma="http://schemas.microsoft.com/office/2006/metadata/properties/metaAttributes" ct:_="" ma:_="" ma:contentTypeName="Document" ma:contentTypeID="0x01010079F111ED35F8CC479449609E8A0923A6" ma:contentTypeVersion="11" ma:contentTypeDescription="Create a new document." ma:contentTypeScope="" ma:versionID="9677210f24a1be23c92c90fd886aa0aa">
   <xsd:schema xmlns:xsd="http://www.w3.org/2001/XMLSchema" xmlns:xs="http://www.w3.org/2001/XMLSchema" xmlns:p="http://schemas.microsoft.com/office/2006/metadata/properties" xmlns:ns2="71af3243-3dd4-4a8d-8c0d-dd76da1f02a5" xmlns:ns3="16c05727-aa75-4e4a-9b5f-8a80a1165891" targetNamespace="http://schemas.microsoft.com/office/2006/metadata/properties" ma:root="true" ma:fieldsID="60e05723c5c1908df1a1a4ebf11d344e" ns2:_="" ns3:_="">
     <xsd:import namespace="71af3243-3dd4-4a8d-8c0d-dd76da1f02a5"/>
@@ -10742,7 +10939,7 @@
 </ct:contentTypeSchema>
 </file>
 
-<file path=customXml/item3.xml><?xml version="1.0" encoding="utf-8"?>
+<file path=customXml/item2.xml><?xml version="1.0" encoding="utf-8"?>
 <p:properties xmlns:p="http://schemas.microsoft.com/office/2006/metadata/properties" xmlns:xsi="http://www.w3.org/2001/XMLSchema-instance" xmlns:pc="http://schemas.microsoft.com/office/infopath/2007/PartnerControls">
   <documentManagement>
     <MediaServiceKeyPoints xmlns="71af3243-3dd4-4a8d-8c0d-dd76da1f02a5" xsi:nil="true"/>
@@ -10750,15 +10947,16 @@
 </p:properties>
 </file>
 
-<file path=customXml/itemProps1.xml><?xml version="1.0" encoding="utf-8"?>
-<ds:datastoreItem xmlns:ds="http://schemas.openxmlformats.org/officeDocument/2006/customXml" ds:itemID="{2FD05317-60D6-4B3A-8545-888496D1A8EC}">
-  <ds:schemaRefs>
-    <ds:schemaRef ds:uri="http://schemas.microsoft.com/sharepoint/v3/contenttype/forms"/>
-  </ds:schemaRefs>
-</ds:datastoreItem>
+<file path=customXml/item3.xml><?xml version="1.0" encoding="utf-8"?>
+<?mso-contentType ?>
+<FormTemplates xmlns="http://schemas.microsoft.com/sharepoint/v3/contenttype/forms">
+  <Display>DocumentLibraryForm</Display>
+  <Edit>DocumentLibraryForm</Edit>
+  <New>DocumentLibraryForm</New>
+</FormTemplates>
 </file>
 
-<file path=customXml/itemProps2.xml><?xml version="1.0" encoding="utf-8"?>
+<file path=customXml/itemProps1.xml><?xml version="1.0" encoding="utf-8"?>
 <ds:datastoreItem xmlns:ds="http://schemas.openxmlformats.org/officeDocument/2006/customXml" ds:itemID="{61A00BBF-EEBB-4E18-B8CB-F926EAAC48F7}">
   <ds:schemaRefs>
     <ds:schemaRef ds:uri="http://schemas.microsoft.com/office/2006/metadata/contentType"/>
@@ -10777,7 +10975,7 @@
 </ds:datastoreItem>
 </file>
 
-<file path=customXml/itemProps3.xml><?xml version="1.0" encoding="utf-8"?>
+<file path=customXml/itemProps2.xml><?xml version="1.0" encoding="utf-8"?>
 <ds:datastoreItem xmlns:ds="http://schemas.openxmlformats.org/officeDocument/2006/customXml" ds:itemID="{EF609EDA-869E-4BE5-AE5D-B898C584B6FF}">
   <ds:schemaRefs>
     <ds:schemaRef ds:uri="http://schemas.microsoft.com/office/2006/metadata/properties"/>
@@ -10785,4 +10983,12 @@
     <ds:schemaRef ds:uri="71af3243-3dd4-4a8d-8c0d-dd76da1f02a5"/>
   </ds:schemaRefs>
 </ds:datastoreItem>
+</file>
+
+<file path=customXml/itemProps3.xml><?xml version="1.0" encoding="utf-8"?>
+<ds:datastoreItem xmlns:ds="http://schemas.openxmlformats.org/officeDocument/2006/customXml" ds:itemID="{2FD05317-60D6-4B3A-8545-888496D1A8EC}">
+  <ds:schemaRefs>
+    <ds:schemaRef ds:uri="http://schemas.microsoft.com/sharepoint/v3/contenttype/forms"/>
+  </ds:schemaRefs>
+</ds:datastoreItem>
 </file>